--- a/trunk/DOC/GUI/재테크를 위한 어플리케이션 GUI_100705.pptx
+++ b/trunk/DOC/GUI/재테크를 위한 어플리케이션 GUI_100705.pptx
@@ -572,7 +572,7 @@
             <a:fld id="{99C72A54-BE0C-4CB8-A406-B02CE5F2A212}" type="datetimeFigureOut">
               <a:rPr lang="ko-KR" altLang="en-US" smtClean="0"/>
               <a:pPr/>
-              <a:t>2010-07-05</a:t>
+              <a:t>2010-10-05</a:t>
             </a:fld>
             <a:endParaRPr lang="ko-KR" altLang="en-US"/>
           </a:p>
@@ -2250,7 +2250,7 @@
             <a:fld id="{105F66E0-F453-4EB3-80A7-5B41C8D6AC26}" type="datetime1">
               <a:rPr lang="ko-KR" altLang="en-US" smtClean="0"/>
               <a:pPr/>
-              <a:t>2010-07-05</a:t>
+              <a:t>2010-10-05</a:t>
             </a:fld>
             <a:endParaRPr lang="ko-KR" altLang="en-US"/>
           </a:p>
@@ -2429,7 +2429,7 @@
             <a:fld id="{1345504B-1AC7-452E-B612-AED94DB72BDD}" type="datetime1">
               <a:rPr lang="ko-KR" altLang="en-US" smtClean="0"/>
               <a:pPr/>
-              <a:t>2010-07-05</a:t>
+              <a:t>2010-10-05</a:t>
             </a:fld>
             <a:endParaRPr lang="ko-KR" altLang="en-US"/>
           </a:p>
@@ -2618,7 +2618,7 @@
             <a:fld id="{3276CD6A-F20D-4F12-B9FE-A6D6824049B0}" type="datetime1">
               <a:rPr lang="ko-KR" altLang="en-US" smtClean="0"/>
               <a:pPr/>
-              <a:t>2010-07-05</a:t>
+              <a:t>2010-10-05</a:t>
             </a:fld>
             <a:endParaRPr lang="ko-KR" altLang="en-US"/>
           </a:p>
@@ -2797,7 +2797,7 @@
             <a:fld id="{67EB23E5-270A-4643-969A-B0E8AD63EC84}" type="datetime1">
               <a:rPr lang="ko-KR" altLang="en-US" smtClean="0"/>
               <a:pPr/>
-              <a:t>2010-07-05</a:t>
+              <a:t>2010-10-05</a:t>
             </a:fld>
             <a:endParaRPr lang="ko-KR" altLang="en-US"/>
           </a:p>
@@ -3052,7 +3052,7 @@
             <a:fld id="{E38EDD45-8CBC-4B35-8F54-7918D243FB91}" type="datetime1">
               <a:rPr lang="ko-KR" altLang="en-US" smtClean="0"/>
               <a:pPr/>
-              <a:t>2010-07-05</a:t>
+              <a:t>2010-10-05</a:t>
             </a:fld>
             <a:endParaRPr lang="ko-KR" altLang="en-US"/>
           </a:p>
@@ -3349,7 +3349,7 @@
             <a:fld id="{26715FD6-E32B-4FBF-90C4-E433FE2CD26D}" type="datetime1">
               <a:rPr lang="ko-KR" altLang="en-US" smtClean="0"/>
               <a:pPr/>
-              <a:t>2010-07-05</a:t>
+              <a:t>2010-10-05</a:t>
             </a:fld>
             <a:endParaRPr lang="ko-KR" altLang="en-US"/>
           </a:p>
@@ -3780,7 +3780,7 @@
             <a:fld id="{CAD2CEE4-49A3-4990-9C75-DBE47A9E2002}" type="datetime1">
               <a:rPr lang="ko-KR" altLang="en-US" smtClean="0"/>
               <a:pPr/>
-              <a:t>2010-07-05</a:t>
+              <a:t>2010-10-05</a:t>
             </a:fld>
             <a:endParaRPr lang="ko-KR" altLang="en-US"/>
           </a:p>
@@ -3907,7 +3907,7 @@
             <a:fld id="{EEE4BE34-22D2-4D47-B95A-E3FB8247464E}" type="datetime1">
               <a:rPr lang="ko-KR" altLang="en-US" smtClean="0"/>
               <a:pPr/>
-              <a:t>2010-07-05</a:t>
+              <a:t>2010-10-05</a:t>
             </a:fld>
             <a:endParaRPr lang="ko-KR" altLang="en-US"/>
           </a:p>
@@ -4011,7 +4011,7 @@
             <a:fld id="{42C2FA6A-1CBA-4C80-B402-053604292DED}" type="datetime1">
               <a:rPr lang="ko-KR" altLang="en-US" smtClean="0"/>
               <a:pPr/>
-              <a:t>2010-07-05</a:t>
+              <a:t>2010-10-05</a:t>
             </a:fld>
             <a:endParaRPr lang="ko-KR" altLang="en-US"/>
           </a:p>
@@ -4297,7 +4297,7 @@
             <a:fld id="{23513F57-09EB-495F-995D-C1505C9B54FC}" type="datetime1">
               <a:rPr lang="ko-KR" altLang="en-US" smtClean="0"/>
               <a:pPr/>
-              <a:t>2010-07-05</a:t>
+              <a:t>2010-10-05</a:t>
             </a:fld>
             <a:endParaRPr lang="ko-KR" altLang="en-US"/>
           </a:p>
@@ -4559,7 +4559,7 @@
             <a:fld id="{84C26BEE-1838-4644-A0BC-1B55F1FC145F}" type="datetime1">
               <a:rPr lang="ko-KR" altLang="en-US" smtClean="0"/>
               <a:pPr/>
-              <a:t>2010-07-05</a:t>
+              <a:t>2010-10-05</a:t>
             </a:fld>
             <a:endParaRPr lang="ko-KR" altLang="en-US"/>
           </a:p>
@@ -4781,7 +4781,7 @@
             <a:fld id="{2A548CA1-8824-4A79-B749-7FCA67E5AD33}" type="datetime1">
               <a:rPr lang="ko-KR" altLang="en-US" smtClean="0"/>
               <a:pPr/>
-              <a:t>2010-07-05</a:t>
+              <a:t>2010-10-05</a:t>
             </a:fld>
             <a:endParaRPr lang="ko-KR" altLang="en-US"/>
           </a:p>
@@ -5221,6 +5221,18 @@
               <a:rPr lang="ko-KR" altLang="en-US" dirty="0" smtClean="0"/>
               <a:t>김우석</a:t>
             </a:r>
+            <a:endParaRPr lang="en-US" altLang="ko-KR" dirty="0" smtClean="0"/>
+          </a:p>
+          <a:p>
+            <a:endParaRPr lang="en-US" altLang="ko-KR" dirty="0" smtClean="0"/>
+          </a:p>
+          <a:p>
+            <a:endParaRPr lang="en-US" altLang="ko-KR" dirty="0" smtClean="0"/>
+          </a:p>
+          <a:p>
+            <a:endParaRPr lang="en-US" altLang="ko-KR" smtClean="0"/>
+          </a:p>
+          <a:p>
             <a:endParaRPr lang="en-US" altLang="ko-KR" dirty="0" smtClean="0"/>
           </a:p>
           <a:p>
